--- a/턴제 RPG.pptx
+++ b/턴제 RPG.pptx
@@ -8,6 +8,7 @@
     <p:sldId id="256" r:id="rId2"/>
     <p:sldId id="257" r:id="rId3"/>
     <p:sldId id="258" r:id="rId4"/>
+    <p:sldId id="259" r:id="rId5"/>
   </p:sldIdLst>
   <p:sldSz cx="12192000" cy="6858000"/>
   <p:notesSz cx="6858000" cy="9144000"/>
@@ -106,6 +107,11 @@
       </a:defRPr>
     </a:lvl9pPr>
   </p:defaultTextStyle>
+  <p:extLst>
+    <p:ext uri="{EFAFB233-063F-42B5-8137-9DF3F51BA10A}">
+      <p15:sldGuideLst xmlns:p15="http://schemas.microsoft.com/office/powerpoint/2012/main"/>
+    </p:ext>
+  </p:extLst>
 </p:presentation>
 </file>
 
@@ -4176,7 +4182,7 @@
         <p:spPr>
           <a:xfrm>
             <a:off x="327660" y="1272540"/>
-            <a:ext cx="6293700" cy="1323439"/>
+            <a:ext cx="6293700" cy="4801314"/>
           </a:xfrm>
           <a:prstGeom prst="rect">
             <a:avLst/>
@@ -4271,6 +4277,9 @@
             </a:r>
           </a:p>
           <a:p>
+            <a:endParaRPr lang="en-US" altLang="ko-KR" sz="1400" dirty="0"/>
+          </a:p>
+          <a:p>
             <a:pPr marL="541338" indent="-541338"/>
             <a:r>
               <a:rPr lang="ko-KR" altLang="en-US" sz="1600" dirty="0"/>
@@ -4315,6 +4324,10 @@
           </a:p>
           <a:p>
             <a:pPr marL="541338" indent="-541338"/>
+            <a:endParaRPr lang="en-US" altLang="ko-KR" sz="1600" dirty="0"/>
+          </a:p>
+          <a:p>
+            <a:pPr marL="541338" indent="-541338"/>
             <a:r>
               <a:rPr lang="ko-KR" altLang="en-US" sz="1600" dirty="0"/>
               <a:t>행동 선택 </a:t>
@@ -4323,6 +4336,191 @@
               <a:rPr lang="en-US" altLang="ko-KR" sz="1600" dirty="0"/>
               <a:t>: </a:t>
             </a:r>
+            <a:r>
+              <a:rPr lang="ko-KR" altLang="en-US" sz="1600" dirty="0"/>
+              <a:t>현재 행동할 캐릭터 주변</a:t>
+            </a:r>
+            <a:r>
+              <a:rPr lang="en-US" altLang="ko-KR" sz="1600" dirty="0"/>
+              <a:t>, </a:t>
+            </a:r>
+            <a:r>
+              <a:rPr lang="ko-KR" altLang="en-US" sz="1600" dirty="0"/>
+              <a:t>또는 화면 아래 쪽 가장자리에 대부분 위치</a:t>
+            </a:r>
+            <a:r>
+              <a:rPr lang="en-US" altLang="ko-KR" sz="1600" dirty="0"/>
+              <a:t>, </a:t>
+            </a:r>
+            <a:r>
+              <a:rPr lang="ko-KR" altLang="en-US" sz="1600" dirty="0"/>
+              <a:t>현재 가능한 행동의 목록 표시</a:t>
+            </a:r>
+            <a:r>
+              <a:rPr lang="en-US" altLang="ko-KR" sz="1600" dirty="0"/>
+              <a:t>/ </a:t>
+            </a:r>
+            <a:r>
+              <a:rPr lang="ko-KR" altLang="en-US" sz="1600" dirty="0"/>
+              <a:t>공격</a:t>
+            </a:r>
+            <a:r>
+              <a:rPr lang="en-US" altLang="ko-KR" sz="1600" dirty="0"/>
+              <a:t>, </a:t>
+            </a:r>
+            <a:r>
+              <a:rPr lang="ko-KR" altLang="en-US" sz="1600" dirty="0"/>
+              <a:t>방어</a:t>
+            </a:r>
+            <a:r>
+              <a:rPr lang="en-US" altLang="ko-KR" sz="1600" dirty="0"/>
+              <a:t>, </a:t>
+            </a:r>
+            <a:r>
+              <a:rPr lang="ko-KR" altLang="en-US" sz="1600" dirty="0"/>
+              <a:t>도주 선택 가능</a:t>
+            </a:r>
+            <a:endParaRPr lang="en-US" altLang="ko-KR" sz="1600" dirty="0"/>
+          </a:p>
+          <a:p>
+            <a:pPr marL="541338" indent="-541338"/>
+            <a:endParaRPr lang="en-US" altLang="ko-KR" sz="1600" dirty="0"/>
+          </a:p>
+          <a:p>
+            <a:pPr marL="541338" indent="-541338"/>
+            <a:r>
+              <a:rPr lang="ko-KR" altLang="en-US" sz="1600" dirty="0"/>
+              <a:t>행동</a:t>
+            </a:r>
+            <a:r>
+              <a:rPr lang="en-US" altLang="ko-KR" sz="1600" dirty="0"/>
+              <a:t> : </a:t>
+            </a:r>
+            <a:r>
+              <a:rPr lang="ko-KR" altLang="en-US" sz="1600" dirty="0"/>
+              <a:t>선택된 행동으로 상호작용</a:t>
+            </a:r>
+            <a:endParaRPr lang="en-US" altLang="ko-KR" sz="1600" dirty="0"/>
+          </a:p>
+          <a:p>
+            <a:pPr marL="541338" indent="-541338"/>
+            <a:r>
+              <a:rPr lang="en-US" altLang="ko-KR" sz="1400" dirty="0"/>
+              <a:t>-</a:t>
+            </a:r>
+            <a:r>
+              <a:rPr lang="ko-KR" altLang="en-US" sz="1400" dirty="0"/>
+              <a:t>공격 </a:t>
+            </a:r>
+            <a:r>
+              <a:rPr lang="en-US" altLang="ko-KR" sz="1400" dirty="0"/>
+              <a:t>: </a:t>
+            </a:r>
+            <a:r>
+              <a:rPr lang="ko-KR" altLang="en-US" sz="1400" dirty="0"/>
+              <a:t>적을 타격하여 캐릭터의 </a:t>
+            </a:r>
+            <a:r>
+              <a:rPr lang="ko-KR" altLang="en-US" sz="1400" dirty="0" err="1"/>
+              <a:t>스탯에</a:t>
+            </a:r>
+            <a:r>
+              <a:rPr lang="ko-KR" altLang="en-US" sz="1400" dirty="0"/>
+              <a:t> 의해 계산된 데미지로 적의 체력을 감소시킴</a:t>
+            </a:r>
+            <a:endParaRPr lang="en-US" altLang="ko-KR" sz="1400" dirty="0"/>
+          </a:p>
+          <a:p>
+            <a:pPr marL="541338" indent="-541338"/>
+            <a:r>
+              <a:rPr lang="en-US" altLang="ko-KR" sz="1400" dirty="0"/>
+              <a:t>-</a:t>
+            </a:r>
+            <a:r>
+              <a:rPr lang="ko-KR" altLang="en-US" sz="1400" dirty="0"/>
+              <a:t>방어 </a:t>
+            </a:r>
+            <a:r>
+              <a:rPr lang="en-US" altLang="ko-KR" sz="1400" dirty="0"/>
+              <a:t>: </a:t>
+            </a:r>
+            <a:r>
+              <a:rPr lang="ko-KR" altLang="en-US" sz="1400" dirty="0"/>
+              <a:t>일정 수치의 데미지를 감소시키는 방어막을 생성</a:t>
+            </a:r>
+            <a:r>
+              <a:rPr lang="en-US" altLang="ko-KR" sz="1400" dirty="0"/>
+              <a:t>, </a:t>
+            </a:r>
+            <a:r>
+              <a:rPr lang="ko-KR" altLang="en-US" sz="1400" dirty="0"/>
+              <a:t>적의 공격에 의한 데미지를 상쇄</a:t>
+            </a:r>
+            <a:endParaRPr lang="en-US" altLang="ko-KR" sz="1400" dirty="0"/>
+          </a:p>
+          <a:p>
+            <a:pPr marL="541338" indent="-541338"/>
+            <a:r>
+              <a:rPr lang="en-US" altLang="ko-KR" sz="1400" dirty="0"/>
+              <a:t>-</a:t>
+            </a:r>
+            <a:r>
+              <a:rPr lang="ko-KR" altLang="en-US" sz="1400" dirty="0"/>
+              <a:t>도주 </a:t>
+            </a:r>
+            <a:r>
+              <a:rPr lang="en-US" altLang="ko-KR" sz="1400" dirty="0"/>
+              <a:t>: </a:t>
+            </a:r>
+            <a:r>
+              <a:rPr lang="ko-KR" altLang="en-US" sz="1400" dirty="0"/>
+              <a:t>선택했을 경우 캐릭터의 </a:t>
+            </a:r>
+            <a:r>
+              <a:rPr lang="ko-KR" altLang="en-US" sz="1400" dirty="0" err="1"/>
+              <a:t>스탯에</a:t>
+            </a:r>
+            <a:r>
+              <a:rPr lang="ko-KR" altLang="en-US" sz="1400" dirty="0"/>
+              <a:t> 의해 변동된 확률로 전투 공간 탈출 성공</a:t>
+            </a:r>
+            <a:r>
+              <a:rPr lang="en-US" altLang="ko-KR" sz="1400" dirty="0"/>
+              <a:t>/</a:t>
+            </a:r>
+            <a:r>
+              <a:rPr lang="ko-KR" altLang="en-US" sz="1400" dirty="0"/>
+              <a:t>실패 결정</a:t>
+            </a:r>
+            <a:endParaRPr lang="en-US" altLang="ko-KR" sz="1400" dirty="0"/>
+          </a:p>
+          <a:p>
+            <a:pPr marL="541338" indent="-541338"/>
+            <a:endParaRPr lang="en-US" altLang="ko-KR" sz="1600" dirty="0"/>
+          </a:p>
+          <a:p>
+            <a:pPr marL="541338" indent="-541338"/>
+            <a:r>
+              <a:rPr lang="ko-KR" altLang="en-US" sz="1600" dirty="0"/>
+              <a:t>속도 시스템</a:t>
+            </a:r>
+            <a:r>
+              <a:rPr lang="en-US" altLang="ko-KR" sz="1600" dirty="0"/>
+              <a:t> : </a:t>
+            </a:r>
+            <a:r>
+              <a:rPr lang="ko-KR" altLang="en-US" sz="1600" dirty="0"/>
+              <a:t>아군과 적의 턴 순서를 정하는 시스템</a:t>
+            </a:r>
+            <a:r>
+              <a:rPr lang="en-US" altLang="ko-KR" sz="1600" dirty="0"/>
+              <a:t>, </a:t>
+            </a:r>
+            <a:r>
+              <a:rPr lang="ko-KR" altLang="en-US" sz="1600" dirty="0"/>
+              <a:t>속도가 빠를수록 턴이 빠르게 돌아옴</a:t>
+            </a:r>
+            <a:endParaRPr lang="en-US" altLang="ko-KR" sz="1600" dirty="0"/>
           </a:p>
         </p:txBody>
       </p:sp>
@@ -4575,6 +4773,212 @@
     <p:extLst>
       <p:ext uri="{BB962C8B-B14F-4D97-AF65-F5344CB8AC3E}">
         <p14:creationId xmlns:p14="http://schemas.microsoft.com/office/powerpoint/2010/main" val="2520343360"/>
+      </p:ext>
+    </p:extLst>
+  </p:cSld>
+  <p:clrMapOvr>
+    <a:masterClrMapping/>
+  </p:clrMapOvr>
+</p:sld>
+</file>
+
+<file path=ppt/slides/slide4.xml><?xml version="1.0" encoding="utf-8"?>
+<p:sld xmlns:a="http://schemas.openxmlformats.org/drawingml/2006/main" xmlns:r="http://schemas.openxmlformats.org/officeDocument/2006/relationships" xmlns:p="http://schemas.openxmlformats.org/presentationml/2006/main">
+  <p:cSld>
+    <p:spTree>
+      <p:nvGrpSpPr>
+        <p:cNvPr id="1" name=""/>
+        <p:cNvGrpSpPr/>
+        <p:nvPr/>
+      </p:nvGrpSpPr>
+      <p:grpSpPr>
+        <a:xfrm>
+          <a:off x="0" y="0"/>
+          <a:ext cx="0" cy="0"/>
+          <a:chOff x="0" y="0"/>
+          <a:chExt cx="0" cy="0"/>
+        </a:xfrm>
+      </p:grpSpPr>
+      <p:cxnSp>
+        <p:nvCxnSpPr>
+          <p:cNvPr id="6" name="직선 연결선 5">
+            <a:extLst>
+              <a:ext uri="{FF2B5EF4-FFF2-40B4-BE49-F238E27FC236}">
+                <a16:creationId xmlns:a16="http://schemas.microsoft.com/office/drawing/2014/main" id="{08E6EAE5-AA6F-84C0-776D-3327051FA333}"/>
+              </a:ext>
+            </a:extLst>
+          </p:cNvPr>
+          <p:cNvCxnSpPr/>
+          <p:nvPr/>
+        </p:nvCxnSpPr>
+        <p:spPr>
+          <a:xfrm>
+            <a:off x="335280" y="899160"/>
+            <a:ext cx="11529060" cy="0"/>
+          </a:xfrm>
+          <a:prstGeom prst="line">
+            <a:avLst/>
+          </a:prstGeom>
+          <a:ln>
+            <a:solidFill>
+              <a:schemeClr val="tx1"/>
+            </a:solidFill>
+          </a:ln>
+        </p:spPr>
+        <p:style>
+          <a:lnRef idx="1">
+            <a:schemeClr val="accent1"/>
+          </a:lnRef>
+          <a:fillRef idx="0">
+            <a:schemeClr val="accent1"/>
+          </a:fillRef>
+          <a:effectRef idx="0">
+            <a:schemeClr val="accent1"/>
+          </a:effectRef>
+          <a:fontRef idx="minor">
+            <a:schemeClr val="tx1"/>
+          </a:fontRef>
+        </p:style>
+      </p:cxnSp>
+      <p:sp>
+        <p:nvSpPr>
+          <p:cNvPr id="7" name="TextBox 6">
+            <a:extLst>
+              <a:ext uri="{FF2B5EF4-FFF2-40B4-BE49-F238E27FC236}">
+                <a16:creationId xmlns:a16="http://schemas.microsoft.com/office/drawing/2014/main" id="{CC1DF455-4B2A-C332-B320-E6F9DD1FB94A}"/>
+              </a:ext>
+            </a:extLst>
+          </p:cNvPr>
+          <p:cNvSpPr txBox="1"/>
+          <p:nvPr/>
+        </p:nvSpPr>
+        <p:spPr>
+          <a:xfrm>
+            <a:off x="335280" y="327660"/>
+            <a:ext cx="2140330" cy="461665"/>
+          </a:xfrm>
+          <a:prstGeom prst="rect">
+            <a:avLst/>
+          </a:prstGeom>
+          <a:noFill/>
+        </p:spPr>
+        <p:txBody>
+          <a:bodyPr wrap="none" rtlCol="0">
+            <a:spAutoFit/>
+          </a:bodyPr>
+          <a:lstStyle/>
+          <a:p>
+            <a:r>
+              <a:rPr lang="ko-KR" altLang="en-US" sz="2400" dirty="0"/>
+              <a:t>슬라이드 제목</a:t>
+            </a:r>
+          </a:p>
+        </p:txBody>
+      </p:sp>
+      <p:sp>
+        <p:nvSpPr>
+          <p:cNvPr id="8" name="TextBox 7">
+            <a:extLst>
+              <a:ext uri="{FF2B5EF4-FFF2-40B4-BE49-F238E27FC236}">
+                <a16:creationId xmlns:a16="http://schemas.microsoft.com/office/drawing/2014/main" id="{D51B3F63-860F-4BCA-8FCA-419A4CE65A83}"/>
+              </a:ext>
+            </a:extLst>
+          </p:cNvPr>
+          <p:cNvSpPr txBox="1"/>
+          <p:nvPr/>
+        </p:nvSpPr>
+        <p:spPr>
+          <a:xfrm>
+            <a:off x="327660" y="1272540"/>
+            <a:ext cx="1651414" cy="369332"/>
+          </a:xfrm>
+          <a:prstGeom prst="rect">
+            <a:avLst/>
+          </a:prstGeom>
+          <a:noFill/>
+        </p:spPr>
+        <p:txBody>
+          <a:bodyPr wrap="none" rtlCol="0">
+            <a:spAutoFit/>
+          </a:bodyPr>
+          <a:lstStyle/>
+          <a:p>
+            <a:r>
+              <a:rPr lang="ko-KR" altLang="en-US" dirty="0"/>
+              <a:t>슬라이드 내용</a:t>
+            </a:r>
+            <a:endParaRPr lang="en-US" altLang="ko-KR" dirty="0"/>
+          </a:p>
+        </p:txBody>
+      </p:sp>
+      <p:sp>
+        <p:nvSpPr>
+          <p:cNvPr id="9" name="직사각형 8">
+            <a:extLst>
+              <a:ext uri="{FF2B5EF4-FFF2-40B4-BE49-F238E27FC236}">
+                <a16:creationId xmlns:a16="http://schemas.microsoft.com/office/drawing/2014/main" id="{E32B35D6-210D-4450-1F39-54BDB42D12BC}"/>
+              </a:ext>
+            </a:extLst>
+          </p:cNvPr>
+          <p:cNvSpPr/>
+          <p:nvPr/>
+        </p:nvSpPr>
+        <p:spPr>
+          <a:xfrm>
+            <a:off x="8252460" y="1272540"/>
+            <a:ext cx="3611880" cy="5036818"/>
+          </a:xfrm>
+          <a:prstGeom prst="rect">
+            <a:avLst/>
+          </a:prstGeom>
+          <a:noFill/>
+          <a:ln>
+            <a:solidFill>
+              <a:schemeClr val="tx1"/>
+            </a:solidFill>
+          </a:ln>
+        </p:spPr>
+        <p:style>
+          <a:lnRef idx="2">
+            <a:schemeClr val="accent1">
+              <a:shade val="15000"/>
+            </a:schemeClr>
+          </a:lnRef>
+          <a:fillRef idx="1">
+            <a:schemeClr val="accent1"/>
+          </a:fillRef>
+          <a:effectRef idx="0">
+            <a:schemeClr val="accent1"/>
+          </a:effectRef>
+          <a:fontRef idx="minor">
+            <a:schemeClr val="lt1"/>
+          </a:fontRef>
+        </p:style>
+        <p:txBody>
+          <a:bodyPr rtlCol="0" anchor="ctr"/>
+          <a:lstStyle/>
+          <a:p>
+            <a:pPr algn="ctr"/>
+            <a:r>
+              <a:rPr lang="ko-KR" altLang="en-US">
+                <a:solidFill>
+                  <a:schemeClr val="tx1"/>
+                </a:solidFill>
+              </a:rPr>
+              <a:t>사진</a:t>
+            </a:r>
+            <a:endParaRPr lang="ko-KR" altLang="en-US" dirty="0">
+              <a:solidFill>
+                <a:schemeClr val="tx1"/>
+              </a:solidFill>
+            </a:endParaRPr>
+          </a:p>
+        </p:txBody>
+      </p:sp>
+    </p:spTree>
+    <p:extLst>
+      <p:ext uri="{BB962C8B-B14F-4D97-AF65-F5344CB8AC3E}">
+        <p14:creationId xmlns:p14="http://schemas.microsoft.com/office/powerpoint/2010/main" val="3727249255"/>
       </p:ext>
     </p:extLst>
   </p:cSld>

--- a/턴제 RPG.pptx
+++ b/턴제 RPG.pptx
@@ -262,7 +262,7 @@
           <a:p>
             <a:fld id="{1C4F919C-109B-4A46-A347-FE251D5B21A5}" type="datetimeFigureOut">
               <a:rPr lang="ko-KR" altLang="en-US" smtClean="0"/>
-              <a:t>2023-07-01</a:t>
+              <a:t>2023-07-02</a:t>
             </a:fld>
             <a:endParaRPr lang="ko-KR" altLang="en-US"/>
           </a:p>
@@ -460,7 +460,7 @@
           <a:p>
             <a:fld id="{1C4F919C-109B-4A46-A347-FE251D5B21A5}" type="datetimeFigureOut">
               <a:rPr lang="ko-KR" altLang="en-US" smtClean="0"/>
-              <a:t>2023-07-01</a:t>
+              <a:t>2023-07-02</a:t>
             </a:fld>
             <a:endParaRPr lang="ko-KR" altLang="en-US"/>
           </a:p>
@@ -668,7 +668,7 @@
           <a:p>
             <a:fld id="{1C4F919C-109B-4A46-A347-FE251D5B21A5}" type="datetimeFigureOut">
               <a:rPr lang="ko-KR" altLang="en-US" smtClean="0"/>
-              <a:t>2023-07-01</a:t>
+              <a:t>2023-07-02</a:t>
             </a:fld>
             <a:endParaRPr lang="ko-KR" altLang="en-US"/>
           </a:p>
@@ -866,7 +866,7 @@
           <a:p>
             <a:fld id="{1C4F919C-109B-4A46-A347-FE251D5B21A5}" type="datetimeFigureOut">
               <a:rPr lang="ko-KR" altLang="en-US" smtClean="0"/>
-              <a:t>2023-07-01</a:t>
+              <a:t>2023-07-02</a:t>
             </a:fld>
             <a:endParaRPr lang="ko-KR" altLang="en-US"/>
           </a:p>
@@ -1141,7 +1141,7 @@
           <a:p>
             <a:fld id="{1C4F919C-109B-4A46-A347-FE251D5B21A5}" type="datetimeFigureOut">
               <a:rPr lang="ko-KR" altLang="en-US" smtClean="0"/>
-              <a:t>2023-07-01</a:t>
+              <a:t>2023-07-02</a:t>
             </a:fld>
             <a:endParaRPr lang="ko-KR" altLang="en-US"/>
           </a:p>
@@ -1406,7 +1406,7 @@
           <a:p>
             <a:fld id="{1C4F919C-109B-4A46-A347-FE251D5B21A5}" type="datetimeFigureOut">
               <a:rPr lang="ko-KR" altLang="en-US" smtClean="0"/>
-              <a:t>2023-07-01</a:t>
+              <a:t>2023-07-02</a:t>
             </a:fld>
             <a:endParaRPr lang="ko-KR" altLang="en-US"/>
           </a:p>
@@ -1818,7 +1818,7 @@
           <a:p>
             <a:fld id="{1C4F919C-109B-4A46-A347-FE251D5B21A5}" type="datetimeFigureOut">
               <a:rPr lang="ko-KR" altLang="en-US" smtClean="0"/>
-              <a:t>2023-07-01</a:t>
+              <a:t>2023-07-02</a:t>
             </a:fld>
             <a:endParaRPr lang="ko-KR" altLang="en-US"/>
           </a:p>
@@ -1959,7 +1959,7 @@
           <a:p>
             <a:fld id="{1C4F919C-109B-4A46-A347-FE251D5B21A5}" type="datetimeFigureOut">
               <a:rPr lang="ko-KR" altLang="en-US" smtClean="0"/>
-              <a:t>2023-07-01</a:t>
+              <a:t>2023-07-02</a:t>
             </a:fld>
             <a:endParaRPr lang="ko-KR" altLang="en-US"/>
           </a:p>
@@ -2072,7 +2072,7 @@
           <a:p>
             <a:fld id="{1C4F919C-109B-4A46-A347-FE251D5B21A5}" type="datetimeFigureOut">
               <a:rPr lang="ko-KR" altLang="en-US" smtClean="0"/>
-              <a:t>2023-07-01</a:t>
+              <a:t>2023-07-02</a:t>
             </a:fld>
             <a:endParaRPr lang="ko-KR" altLang="en-US"/>
           </a:p>
@@ -2383,7 +2383,7 @@
           <a:p>
             <a:fld id="{1C4F919C-109B-4A46-A347-FE251D5B21A5}" type="datetimeFigureOut">
               <a:rPr lang="ko-KR" altLang="en-US" smtClean="0"/>
-              <a:t>2023-07-01</a:t>
+              <a:t>2023-07-02</a:t>
             </a:fld>
             <a:endParaRPr lang="ko-KR" altLang="en-US"/>
           </a:p>
@@ -2671,7 +2671,7 @@
           <a:p>
             <a:fld id="{1C4F919C-109B-4A46-A347-FE251D5B21A5}" type="datetimeFigureOut">
               <a:rPr lang="ko-KR" altLang="en-US" smtClean="0"/>
-              <a:t>2023-07-01</a:t>
+              <a:t>2023-07-02</a:t>
             </a:fld>
             <a:endParaRPr lang="ko-KR" altLang="en-US"/>
           </a:p>
@@ -2912,7 +2912,7 @@
           <a:p>
             <a:fld id="{1C4F919C-109B-4A46-A347-FE251D5B21A5}" type="datetimeFigureOut">
               <a:rPr lang="ko-KR" altLang="en-US" smtClean="0"/>
-              <a:t>2023-07-01</a:t>
+              <a:t>2023-07-02</a:t>
             </a:fld>
             <a:endParaRPr lang="ko-KR" altLang="en-US"/>
           </a:p>
@@ -4799,144 +4799,32 @@
           <a:chExt cx="0" cy="0"/>
         </a:xfrm>
       </p:grpSpPr>
-      <p:cxnSp>
-        <p:nvCxnSpPr>
-          <p:cNvPr id="6" name="직선 연결선 5">
-            <a:extLst>
-              <a:ext uri="{FF2B5EF4-FFF2-40B4-BE49-F238E27FC236}">
-                <a16:creationId xmlns:a16="http://schemas.microsoft.com/office/drawing/2014/main" id="{08E6EAE5-AA6F-84C0-776D-3327051FA333}"/>
-              </a:ext>
-            </a:extLst>
-          </p:cNvPr>
-          <p:cNvCxnSpPr/>
+      <p:sp>
+        <p:nvSpPr>
+          <p:cNvPr id="18" name="타원 17">
+            <a:extLst>
+              <a:ext uri="{FF2B5EF4-FFF2-40B4-BE49-F238E27FC236}">
+                <a16:creationId xmlns:a16="http://schemas.microsoft.com/office/drawing/2014/main" id="{B300DF92-0FBB-C3EE-767E-3DCE2171B1D1}"/>
+              </a:ext>
+            </a:extLst>
+          </p:cNvPr>
+          <p:cNvSpPr/>
           <p:nvPr/>
-        </p:nvCxnSpPr>
+        </p:nvSpPr>
         <p:spPr>
           <a:xfrm>
-            <a:off x="335280" y="899160"/>
-            <a:ext cx="11529060" cy="0"/>
-          </a:xfrm>
-          <a:prstGeom prst="line">
+            <a:off x="3256886" y="3441594"/>
+            <a:ext cx="475731" cy="253299"/>
+          </a:xfrm>
+          <a:prstGeom prst="ellipse">
             <a:avLst/>
           </a:prstGeom>
-          <a:ln>
-            <a:solidFill>
-              <a:schemeClr val="tx1"/>
-            </a:solidFill>
-          </a:ln>
-        </p:spPr>
-        <p:style>
-          <a:lnRef idx="1">
-            <a:schemeClr val="accent1"/>
-          </a:lnRef>
-          <a:fillRef idx="0">
-            <a:schemeClr val="accent1"/>
-          </a:fillRef>
-          <a:effectRef idx="0">
-            <a:schemeClr val="accent1"/>
-          </a:effectRef>
-          <a:fontRef idx="minor">
-            <a:schemeClr val="tx1"/>
-          </a:fontRef>
-        </p:style>
-      </p:cxnSp>
-      <p:sp>
-        <p:nvSpPr>
-          <p:cNvPr id="7" name="TextBox 6">
-            <a:extLst>
-              <a:ext uri="{FF2B5EF4-FFF2-40B4-BE49-F238E27FC236}">
-                <a16:creationId xmlns:a16="http://schemas.microsoft.com/office/drawing/2014/main" id="{CC1DF455-4B2A-C332-B320-E6F9DD1FB94A}"/>
-              </a:ext>
-            </a:extLst>
-          </p:cNvPr>
-          <p:cNvSpPr txBox="1"/>
-          <p:nvPr/>
-        </p:nvSpPr>
-        <p:spPr>
-          <a:xfrm>
-            <a:off x="335280" y="327660"/>
-            <a:ext cx="2140330" cy="461665"/>
-          </a:xfrm>
-          <a:prstGeom prst="rect">
-            <a:avLst/>
-          </a:prstGeom>
-          <a:noFill/>
-        </p:spPr>
-        <p:txBody>
-          <a:bodyPr wrap="none" rtlCol="0">
-            <a:spAutoFit/>
-          </a:bodyPr>
-          <a:lstStyle/>
-          <a:p>
-            <a:r>
-              <a:rPr lang="ko-KR" altLang="en-US" sz="2400" dirty="0"/>
-              <a:t>슬라이드 제목</a:t>
-            </a:r>
-          </a:p>
-        </p:txBody>
-      </p:sp>
-      <p:sp>
-        <p:nvSpPr>
-          <p:cNvPr id="8" name="TextBox 7">
-            <a:extLst>
-              <a:ext uri="{FF2B5EF4-FFF2-40B4-BE49-F238E27FC236}">
-                <a16:creationId xmlns:a16="http://schemas.microsoft.com/office/drawing/2014/main" id="{D51B3F63-860F-4BCA-8FCA-419A4CE65A83}"/>
-              </a:ext>
-            </a:extLst>
-          </p:cNvPr>
-          <p:cNvSpPr txBox="1"/>
-          <p:nvPr/>
-        </p:nvSpPr>
-        <p:spPr>
-          <a:xfrm>
-            <a:off x="327660" y="1272540"/>
-            <a:ext cx="1651414" cy="369332"/>
-          </a:xfrm>
-          <a:prstGeom prst="rect">
-            <a:avLst/>
-          </a:prstGeom>
-          <a:noFill/>
-        </p:spPr>
-        <p:txBody>
-          <a:bodyPr wrap="none" rtlCol="0">
-            <a:spAutoFit/>
-          </a:bodyPr>
-          <a:lstStyle/>
-          <a:p>
-            <a:r>
-              <a:rPr lang="ko-KR" altLang="en-US" dirty="0"/>
-              <a:t>슬라이드 내용</a:t>
-            </a:r>
-            <a:endParaRPr lang="en-US" altLang="ko-KR" dirty="0"/>
-          </a:p>
-        </p:txBody>
-      </p:sp>
-      <p:sp>
-        <p:nvSpPr>
-          <p:cNvPr id="9" name="직사각형 8">
-            <a:extLst>
-              <a:ext uri="{FF2B5EF4-FFF2-40B4-BE49-F238E27FC236}">
-                <a16:creationId xmlns:a16="http://schemas.microsoft.com/office/drawing/2014/main" id="{E32B35D6-210D-4450-1F39-54BDB42D12BC}"/>
-              </a:ext>
-            </a:extLst>
-          </p:cNvPr>
-          <p:cNvSpPr/>
-          <p:nvPr/>
-        </p:nvSpPr>
-        <p:spPr>
-          <a:xfrm>
-            <a:off x="8252460" y="1272540"/>
-            <a:ext cx="3611880" cy="5036818"/>
-          </a:xfrm>
-          <a:prstGeom prst="rect">
-            <a:avLst/>
-          </a:prstGeom>
-          <a:noFill/>
-          <a:ln>
-            <a:solidFill>
-              <a:schemeClr val="tx1"/>
-            </a:solidFill>
-          </a:ln>
+          <a:solidFill>
+            <a:schemeClr val="accent1">
+              <a:lumMod val="40000"/>
+              <a:lumOff val="60000"/>
+            </a:schemeClr>
+          </a:solidFill>
         </p:spPr>
         <p:style>
           <a:lnRef idx="2">
@@ -4959,6 +4847,182 @@
           <a:lstStyle/>
           <a:p>
             <a:pPr algn="ctr"/>
+            <a:endParaRPr lang="ko-KR" altLang="en-US"/>
+          </a:p>
+        </p:txBody>
+      </p:sp>
+      <p:cxnSp>
+        <p:nvCxnSpPr>
+          <p:cNvPr id="6" name="직선 연결선 5">
+            <a:extLst>
+              <a:ext uri="{FF2B5EF4-FFF2-40B4-BE49-F238E27FC236}">
+                <a16:creationId xmlns:a16="http://schemas.microsoft.com/office/drawing/2014/main" id="{08E6EAE5-AA6F-84C0-776D-3327051FA333}"/>
+              </a:ext>
+            </a:extLst>
+          </p:cNvPr>
+          <p:cNvCxnSpPr/>
+          <p:nvPr/>
+        </p:nvCxnSpPr>
+        <p:spPr>
+          <a:xfrm>
+            <a:off x="335280" y="899160"/>
+            <a:ext cx="11529060" cy="0"/>
+          </a:xfrm>
+          <a:prstGeom prst="line">
+            <a:avLst/>
+          </a:prstGeom>
+          <a:ln>
+            <a:solidFill>
+              <a:schemeClr val="tx1"/>
+            </a:solidFill>
+          </a:ln>
+        </p:spPr>
+        <p:style>
+          <a:lnRef idx="1">
+            <a:schemeClr val="accent1"/>
+          </a:lnRef>
+          <a:fillRef idx="0">
+            <a:schemeClr val="accent1"/>
+          </a:fillRef>
+          <a:effectRef idx="0">
+            <a:schemeClr val="accent1"/>
+          </a:effectRef>
+          <a:fontRef idx="minor">
+            <a:schemeClr val="tx1"/>
+          </a:fontRef>
+        </p:style>
+      </p:cxnSp>
+      <p:sp>
+        <p:nvSpPr>
+          <p:cNvPr id="7" name="TextBox 6">
+            <a:extLst>
+              <a:ext uri="{FF2B5EF4-FFF2-40B4-BE49-F238E27FC236}">
+                <a16:creationId xmlns:a16="http://schemas.microsoft.com/office/drawing/2014/main" id="{CC1DF455-4B2A-C332-B320-E6F9DD1FB94A}"/>
+              </a:ext>
+            </a:extLst>
+          </p:cNvPr>
+          <p:cNvSpPr txBox="1"/>
+          <p:nvPr/>
+        </p:nvSpPr>
+        <p:spPr>
+          <a:xfrm>
+            <a:off x="335280" y="327660"/>
+            <a:ext cx="2954591" cy="461665"/>
+          </a:xfrm>
+          <a:prstGeom prst="rect">
+            <a:avLst/>
+          </a:prstGeom>
+          <a:noFill/>
+        </p:spPr>
+        <p:txBody>
+          <a:bodyPr wrap="none" rtlCol="0">
+            <a:spAutoFit/>
+          </a:bodyPr>
+          <a:lstStyle/>
+          <a:p>
+            <a:r>
+              <a:rPr lang="ko-KR" altLang="en-US" sz="2400" dirty="0" err="1"/>
+              <a:t>턴제</a:t>
+            </a:r>
+            <a:r>
+              <a:rPr lang="ko-KR" altLang="en-US" sz="2400" dirty="0"/>
+              <a:t> </a:t>
+            </a:r>
+            <a:r>
+              <a:rPr lang="en-US" altLang="ko-KR" sz="2400" dirty="0"/>
+              <a:t>RPG-</a:t>
+            </a:r>
+            <a:r>
+              <a:rPr lang="ko-KR" altLang="en-US" sz="2400" dirty="0"/>
+              <a:t>전투 예시</a:t>
+            </a:r>
+          </a:p>
+        </p:txBody>
+      </p:sp>
+      <p:sp>
+        <p:nvSpPr>
+          <p:cNvPr id="8" name="TextBox 7">
+            <a:extLst>
+              <a:ext uri="{FF2B5EF4-FFF2-40B4-BE49-F238E27FC236}">
+                <a16:creationId xmlns:a16="http://schemas.microsoft.com/office/drawing/2014/main" id="{D51B3F63-860F-4BCA-8FCA-419A4CE65A83}"/>
+              </a:ext>
+            </a:extLst>
+          </p:cNvPr>
+          <p:cNvSpPr txBox="1"/>
+          <p:nvPr/>
+        </p:nvSpPr>
+        <p:spPr>
+          <a:xfrm>
+            <a:off x="327660" y="1272540"/>
+            <a:ext cx="1651414" cy="369332"/>
+          </a:xfrm>
+          <a:prstGeom prst="rect">
+            <a:avLst/>
+          </a:prstGeom>
+          <a:noFill/>
+        </p:spPr>
+        <p:txBody>
+          <a:bodyPr wrap="none" rtlCol="0">
+            <a:spAutoFit/>
+          </a:bodyPr>
+          <a:lstStyle/>
+          <a:p>
+            <a:r>
+              <a:rPr lang="ko-KR" altLang="en-US" dirty="0"/>
+              <a:t>슬라이드 내용</a:t>
+            </a:r>
+            <a:endParaRPr lang="en-US" altLang="ko-KR" dirty="0"/>
+          </a:p>
+        </p:txBody>
+      </p:sp>
+      <p:sp>
+        <p:nvSpPr>
+          <p:cNvPr id="9" name="직사각형 8">
+            <a:extLst>
+              <a:ext uri="{FF2B5EF4-FFF2-40B4-BE49-F238E27FC236}">
+                <a16:creationId xmlns:a16="http://schemas.microsoft.com/office/drawing/2014/main" id="{E32B35D6-210D-4450-1F39-54BDB42D12BC}"/>
+              </a:ext>
+            </a:extLst>
+          </p:cNvPr>
+          <p:cNvSpPr/>
+          <p:nvPr/>
+        </p:nvSpPr>
+        <p:spPr>
+          <a:xfrm>
+            <a:off x="8252460" y="1272540"/>
+            <a:ext cx="3611880" cy="5036818"/>
+          </a:xfrm>
+          <a:prstGeom prst="rect">
+            <a:avLst/>
+          </a:prstGeom>
+          <a:noFill/>
+          <a:ln>
+            <a:solidFill>
+              <a:schemeClr val="tx1"/>
+            </a:solidFill>
+          </a:ln>
+        </p:spPr>
+        <p:style>
+          <a:lnRef idx="2">
+            <a:schemeClr val="accent1">
+              <a:shade val="15000"/>
+            </a:schemeClr>
+          </a:lnRef>
+          <a:fillRef idx="1">
+            <a:schemeClr val="accent1"/>
+          </a:fillRef>
+          <a:effectRef idx="0">
+            <a:schemeClr val="accent1"/>
+          </a:effectRef>
+          <a:fontRef idx="minor">
+            <a:schemeClr val="lt1"/>
+          </a:fontRef>
+        </p:style>
+        <p:txBody>
+          <a:bodyPr rtlCol="0" anchor="ctr"/>
+          <a:lstStyle/>
+          <a:p>
+            <a:pPr algn="ctr"/>
             <a:r>
               <a:rPr lang="ko-KR" altLang="en-US">
                 <a:solidFill>
@@ -4972,6 +5036,621 @@
                 <a:schemeClr val="tx1"/>
               </a:solidFill>
             </a:endParaRPr>
+          </a:p>
+        </p:txBody>
+      </p:sp>
+      <p:sp>
+        <p:nvSpPr>
+          <p:cNvPr id="2" name="타원 1">
+            <a:extLst>
+              <a:ext uri="{FF2B5EF4-FFF2-40B4-BE49-F238E27FC236}">
+                <a16:creationId xmlns:a16="http://schemas.microsoft.com/office/drawing/2014/main" id="{06DF53A0-D34A-F6CE-BFB7-BB49C936D6FF}"/>
+              </a:ext>
+            </a:extLst>
+          </p:cNvPr>
+          <p:cNvSpPr/>
+          <p:nvPr/>
+        </p:nvSpPr>
+        <p:spPr>
+          <a:xfrm>
+            <a:off x="968016" y="2489886"/>
+            <a:ext cx="409763" cy="649829"/>
+          </a:xfrm>
+          <a:prstGeom prst="ellipse">
+            <a:avLst/>
+          </a:prstGeom>
+          <a:solidFill>
+            <a:srgbClr val="C00000"/>
+          </a:solidFill>
+          <a:ln>
+            <a:solidFill>
+              <a:schemeClr val="tx1"/>
+            </a:solidFill>
+          </a:ln>
+        </p:spPr>
+        <p:style>
+          <a:lnRef idx="2">
+            <a:schemeClr val="accent1">
+              <a:shade val="15000"/>
+            </a:schemeClr>
+          </a:lnRef>
+          <a:fillRef idx="1">
+            <a:schemeClr val="accent1"/>
+          </a:fillRef>
+          <a:effectRef idx="0">
+            <a:schemeClr val="accent1"/>
+          </a:effectRef>
+          <a:fontRef idx="minor">
+            <a:schemeClr val="lt1"/>
+          </a:fontRef>
+        </p:style>
+        <p:txBody>
+          <a:bodyPr rtlCol="0" anchor="ctr"/>
+          <a:lstStyle/>
+          <a:p>
+            <a:pPr algn="ctr"/>
+            <a:endParaRPr lang="ko-KR" altLang="en-US"/>
+          </a:p>
+        </p:txBody>
+      </p:sp>
+      <p:sp>
+        <p:nvSpPr>
+          <p:cNvPr id="3" name="타원 2">
+            <a:extLst>
+              <a:ext uri="{FF2B5EF4-FFF2-40B4-BE49-F238E27FC236}">
+                <a16:creationId xmlns:a16="http://schemas.microsoft.com/office/drawing/2014/main" id="{D4CD600E-BAFD-6F76-BF58-E737379AA0FB}"/>
+              </a:ext>
+            </a:extLst>
+          </p:cNvPr>
+          <p:cNvSpPr/>
+          <p:nvPr/>
+        </p:nvSpPr>
+        <p:spPr>
+          <a:xfrm>
+            <a:off x="1607693" y="2937749"/>
+            <a:ext cx="409763" cy="649829"/>
+          </a:xfrm>
+          <a:prstGeom prst="ellipse">
+            <a:avLst/>
+          </a:prstGeom>
+          <a:solidFill>
+            <a:srgbClr val="C00000"/>
+          </a:solidFill>
+          <a:ln>
+            <a:solidFill>
+              <a:schemeClr val="tx1"/>
+            </a:solidFill>
+          </a:ln>
+        </p:spPr>
+        <p:style>
+          <a:lnRef idx="2">
+            <a:schemeClr val="accent1">
+              <a:shade val="15000"/>
+            </a:schemeClr>
+          </a:lnRef>
+          <a:fillRef idx="1">
+            <a:schemeClr val="accent1"/>
+          </a:fillRef>
+          <a:effectRef idx="0">
+            <a:schemeClr val="accent1"/>
+          </a:effectRef>
+          <a:fontRef idx="minor">
+            <a:schemeClr val="lt1"/>
+          </a:fontRef>
+        </p:style>
+        <p:txBody>
+          <a:bodyPr rtlCol="0" anchor="ctr"/>
+          <a:lstStyle/>
+          <a:p>
+            <a:pPr algn="ctr"/>
+            <a:endParaRPr lang="ko-KR" altLang="en-US"/>
+          </a:p>
+        </p:txBody>
+      </p:sp>
+      <p:sp>
+        <p:nvSpPr>
+          <p:cNvPr id="4" name="타원 3">
+            <a:extLst>
+              <a:ext uri="{FF2B5EF4-FFF2-40B4-BE49-F238E27FC236}">
+                <a16:creationId xmlns:a16="http://schemas.microsoft.com/office/drawing/2014/main" id="{C4CFED34-2CDE-1ABE-655E-788088EEBC01}"/>
+              </a:ext>
+            </a:extLst>
+          </p:cNvPr>
+          <p:cNvSpPr/>
+          <p:nvPr/>
+        </p:nvSpPr>
+        <p:spPr>
+          <a:xfrm>
+            <a:off x="968015" y="3587578"/>
+            <a:ext cx="409763" cy="649829"/>
+          </a:xfrm>
+          <a:prstGeom prst="ellipse">
+            <a:avLst/>
+          </a:prstGeom>
+          <a:solidFill>
+            <a:srgbClr val="C00000"/>
+          </a:solidFill>
+          <a:ln>
+            <a:solidFill>
+              <a:schemeClr val="tx1"/>
+            </a:solidFill>
+          </a:ln>
+        </p:spPr>
+        <p:style>
+          <a:lnRef idx="2">
+            <a:schemeClr val="accent1">
+              <a:shade val="15000"/>
+            </a:schemeClr>
+          </a:lnRef>
+          <a:fillRef idx="1">
+            <a:schemeClr val="accent1"/>
+          </a:fillRef>
+          <a:effectRef idx="0">
+            <a:schemeClr val="accent1"/>
+          </a:effectRef>
+          <a:fontRef idx="minor">
+            <a:schemeClr val="lt1"/>
+          </a:fontRef>
+        </p:style>
+        <p:txBody>
+          <a:bodyPr rtlCol="0" anchor="ctr"/>
+          <a:lstStyle/>
+          <a:p>
+            <a:pPr algn="ctr"/>
+            <a:endParaRPr lang="ko-KR" altLang="en-US"/>
+          </a:p>
+        </p:txBody>
+      </p:sp>
+      <p:sp>
+        <p:nvSpPr>
+          <p:cNvPr id="5" name="타원 4">
+            <a:extLst>
+              <a:ext uri="{FF2B5EF4-FFF2-40B4-BE49-F238E27FC236}">
+                <a16:creationId xmlns:a16="http://schemas.microsoft.com/office/drawing/2014/main" id="{12E7FB5E-6B5A-4C27-E6B4-AC8F4750D110}"/>
+              </a:ext>
+            </a:extLst>
+          </p:cNvPr>
+          <p:cNvSpPr/>
+          <p:nvPr/>
+        </p:nvSpPr>
+        <p:spPr>
+          <a:xfrm>
+            <a:off x="3289871" y="2937749"/>
+            <a:ext cx="409763" cy="649829"/>
+          </a:xfrm>
+          <a:prstGeom prst="ellipse">
+            <a:avLst/>
+          </a:prstGeom>
+          <a:solidFill>
+            <a:schemeClr val="accent6">
+              <a:lumMod val="60000"/>
+              <a:lumOff val="40000"/>
+            </a:schemeClr>
+          </a:solidFill>
+          <a:ln>
+            <a:solidFill>
+              <a:srgbClr val="FF0000"/>
+            </a:solidFill>
+          </a:ln>
+        </p:spPr>
+        <p:style>
+          <a:lnRef idx="2">
+            <a:schemeClr val="accent1">
+              <a:shade val="15000"/>
+            </a:schemeClr>
+          </a:lnRef>
+          <a:fillRef idx="1">
+            <a:schemeClr val="accent1"/>
+          </a:fillRef>
+          <a:effectRef idx="0">
+            <a:schemeClr val="accent1"/>
+          </a:effectRef>
+          <a:fontRef idx="minor">
+            <a:schemeClr val="lt1"/>
+          </a:fontRef>
+        </p:style>
+        <p:txBody>
+          <a:bodyPr rtlCol="0" anchor="ctr"/>
+          <a:lstStyle/>
+          <a:p>
+            <a:pPr algn="ctr"/>
+            <a:endParaRPr lang="ko-KR" altLang="en-US"/>
+          </a:p>
+        </p:txBody>
+      </p:sp>
+      <p:sp>
+        <p:nvSpPr>
+          <p:cNvPr id="10" name="타원 9">
+            <a:extLst>
+              <a:ext uri="{FF2B5EF4-FFF2-40B4-BE49-F238E27FC236}">
+                <a16:creationId xmlns:a16="http://schemas.microsoft.com/office/drawing/2014/main" id="{6ED41727-5AA2-CCF2-9F27-FE57B365B4A6}"/>
+              </a:ext>
+            </a:extLst>
+          </p:cNvPr>
+          <p:cNvSpPr/>
+          <p:nvPr/>
+        </p:nvSpPr>
+        <p:spPr>
+          <a:xfrm>
+            <a:off x="3404286" y="2576380"/>
+            <a:ext cx="253310" cy="253310"/>
+          </a:xfrm>
+          <a:prstGeom prst="ellipse">
+            <a:avLst/>
+          </a:prstGeom>
+        </p:spPr>
+        <p:style>
+          <a:lnRef idx="2">
+            <a:schemeClr val="accent1">
+              <a:shade val="15000"/>
+            </a:schemeClr>
+          </a:lnRef>
+          <a:fillRef idx="1">
+            <a:schemeClr val="accent1"/>
+          </a:fillRef>
+          <a:effectRef idx="0">
+            <a:schemeClr val="accent1"/>
+          </a:effectRef>
+          <a:fontRef idx="minor">
+            <a:schemeClr val="lt1"/>
+          </a:fontRef>
+        </p:style>
+        <p:txBody>
+          <a:bodyPr rtlCol="0" anchor="ctr"/>
+          <a:lstStyle/>
+          <a:p>
+            <a:pPr algn="ctr"/>
+            <a:endParaRPr lang="ko-KR" altLang="en-US"/>
+          </a:p>
+        </p:txBody>
+      </p:sp>
+      <p:sp>
+        <p:nvSpPr>
+          <p:cNvPr id="11" name="타원 10">
+            <a:extLst>
+              <a:ext uri="{FF2B5EF4-FFF2-40B4-BE49-F238E27FC236}">
+                <a16:creationId xmlns:a16="http://schemas.microsoft.com/office/drawing/2014/main" id="{DC2BD196-3527-66B1-AA2E-4D71C7042E2D}"/>
+              </a:ext>
+            </a:extLst>
+          </p:cNvPr>
+          <p:cNvSpPr/>
+          <p:nvPr/>
+        </p:nvSpPr>
+        <p:spPr>
+          <a:xfrm>
+            <a:off x="3699634" y="2811094"/>
+            <a:ext cx="253310" cy="253310"/>
+          </a:xfrm>
+          <a:prstGeom prst="ellipse">
+            <a:avLst/>
+          </a:prstGeom>
+        </p:spPr>
+        <p:style>
+          <a:lnRef idx="2">
+            <a:schemeClr val="accent1">
+              <a:shade val="15000"/>
+            </a:schemeClr>
+          </a:lnRef>
+          <a:fillRef idx="1">
+            <a:schemeClr val="accent1"/>
+          </a:fillRef>
+          <a:effectRef idx="0">
+            <a:schemeClr val="accent1"/>
+          </a:effectRef>
+          <a:fontRef idx="minor">
+            <a:schemeClr val="lt1"/>
+          </a:fontRef>
+        </p:style>
+        <p:txBody>
+          <a:bodyPr rtlCol="0" anchor="ctr"/>
+          <a:lstStyle/>
+          <a:p>
+            <a:pPr algn="ctr"/>
+            <a:endParaRPr lang="ko-KR" altLang="en-US"/>
+          </a:p>
+        </p:txBody>
+      </p:sp>
+      <p:sp>
+        <p:nvSpPr>
+          <p:cNvPr id="12" name="타원 11">
+            <a:extLst>
+              <a:ext uri="{FF2B5EF4-FFF2-40B4-BE49-F238E27FC236}">
+                <a16:creationId xmlns:a16="http://schemas.microsoft.com/office/drawing/2014/main" id="{B90760F3-D6CA-7537-5C0F-3F1BEE9C9985}"/>
+              </a:ext>
+            </a:extLst>
+          </p:cNvPr>
+          <p:cNvSpPr/>
+          <p:nvPr/>
+        </p:nvSpPr>
+        <p:spPr>
+          <a:xfrm>
+            <a:off x="3823860" y="3146992"/>
+            <a:ext cx="253310" cy="253310"/>
+          </a:xfrm>
+          <a:prstGeom prst="ellipse">
+            <a:avLst/>
+          </a:prstGeom>
+        </p:spPr>
+        <p:style>
+          <a:lnRef idx="2">
+            <a:schemeClr val="accent1">
+              <a:shade val="15000"/>
+            </a:schemeClr>
+          </a:lnRef>
+          <a:fillRef idx="1">
+            <a:schemeClr val="accent1"/>
+          </a:fillRef>
+          <a:effectRef idx="0">
+            <a:schemeClr val="accent1"/>
+          </a:effectRef>
+          <a:fontRef idx="minor">
+            <a:schemeClr val="lt1"/>
+          </a:fontRef>
+        </p:style>
+        <p:txBody>
+          <a:bodyPr rtlCol="0" anchor="ctr"/>
+          <a:lstStyle/>
+          <a:p>
+            <a:pPr algn="ctr"/>
+            <a:endParaRPr lang="ko-KR" altLang="en-US"/>
+          </a:p>
+        </p:txBody>
+      </p:sp>
+      <p:sp>
+        <p:nvSpPr>
+          <p:cNvPr id="13" name="타원 12">
+            <a:extLst>
+              <a:ext uri="{FF2B5EF4-FFF2-40B4-BE49-F238E27FC236}">
+                <a16:creationId xmlns:a16="http://schemas.microsoft.com/office/drawing/2014/main" id="{655BB24D-2C87-555A-DA00-FF1FEC3F8BC8}"/>
+              </a:ext>
+            </a:extLst>
+          </p:cNvPr>
+          <p:cNvSpPr/>
+          <p:nvPr/>
+        </p:nvSpPr>
+        <p:spPr>
+          <a:xfrm>
+            <a:off x="3713931" y="3478906"/>
+            <a:ext cx="253310" cy="253310"/>
+          </a:xfrm>
+          <a:prstGeom prst="ellipse">
+            <a:avLst/>
+          </a:prstGeom>
+        </p:spPr>
+        <p:style>
+          <a:lnRef idx="2">
+            <a:schemeClr val="accent1">
+              <a:shade val="15000"/>
+            </a:schemeClr>
+          </a:lnRef>
+          <a:fillRef idx="1">
+            <a:schemeClr val="accent1"/>
+          </a:fillRef>
+          <a:effectRef idx="0">
+            <a:schemeClr val="accent1"/>
+          </a:effectRef>
+          <a:fontRef idx="minor">
+            <a:schemeClr val="lt1"/>
+          </a:fontRef>
+        </p:style>
+        <p:txBody>
+          <a:bodyPr rtlCol="0" anchor="ctr"/>
+          <a:lstStyle/>
+          <a:p>
+            <a:pPr algn="ctr"/>
+            <a:endParaRPr lang="ko-KR" altLang="en-US"/>
+          </a:p>
+        </p:txBody>
+      </p:sp>
+      <p:sp>
+        <p:nvSpPr>
+          <p:cNvPr id="14" name="TextBox 13">
+            <a:extLst>
+              <a:ext uri="{FF2B5EF4-FFF2-40B4-BE49-F238E27FC236}">
+                <a16:creationId xmlns:a16="http://schemas.microsoft.com/office/drawing/2014/main" id="{0C4404BD-1A90-25A8-63E4-68159165F540}"/>
+              </a:ext>
+            </a:extLst>
+          </p:cNvPr>
+          <p:cNvSpPr txBox="1"/>
+          <p:nvPr/>
+        </p:nvSpPr>
+        <p:spPr>
+          <a:xfrm>
+            <a:off x="3434010" y="2386976"/>
+            <a:ext cx="389850" cy="215444"/>
+          </a:xfrm>
+          <a:prstGeom prst="rect">
+            <a:avLst/>
+          </a:prstGeom>
+          <a:noFill/>
+        </p:spPr>
+        <p:txBody>
+          <a:bodyPr wrap="none" rtlCol="0">
+            <a:spAutoFit/>
+          </a:bodyPr>
+          <a:lstStyle/>
+          <a:p>
+            <a:r>
+              <a:rPr lang="ko-KR" altLang="en-US" sz="800"/>
+              <a:t>공격</a:t>
+            </a:r>
+            <a:endParaRPr lang="ko-KR" altLang="en-US" sz="800" dirty="0"/>
+          </a:p>
+        </p:txBody>
+      </p:sp>
+      <p:sp>
+        <p:nvSpPr>
+          <p:cNvPr id="15" name="TextBox 14">
+            <a:extLst>
+              <a:ext uri="{FF2B5EF4-FFF2-40B4-BE49-F238E27FC236}">
+                <a16:creationId xmlns:a16="http://schemas.microsoft.com/office/drawing/2014/main" id="{2C03C16E-7604-0D1F-E256-51A7FE6344A2}"/>
+              </a:ext>
+            </a:extLst>
+          </p:cNvPr>
+          <p:cNvSpPr txBox="1"/>
+          <p:nvPr/>
+        </p:nvSpPr>
+        <p:spPr>
+          <a:xfrm>
+            <a:off x="3772316" y="2621289"/>
+            <a:ext cx="389850" cy="215444"/>
+          </a:xfrm>
+          <a:prstGeom prst="rect">
+            <a:avLst/>
+          </a:prstGeom>
+          <a:noFill/>
+        </p:spPr>
+        <p:txBody>
+          <a:bodyPr wrap="none" rtlCol="0">
+            <a:spAutoFit/>
+          </a:bodyPr>
+          <a:lstStyle/>
+          <a:p>
+            <a:r>
+              <a:rPr lang="ko-KR" altLang="en-US" sz="800"/>
+              <a:t>스킬</a:t>
+            </a:r>
+            <a:endParaRPr lang="ko-KR" altLang="en-US" sz="800" dirty="0"/>
+          </a:p>
+        </p:txBody>
+      </p:sp>
+      <p:sp>
+        <p:nvSpPr>
+          <p:cNvPr id="16" name="TextBox 15">
+            <a:extLst>
+              <a:ext uri="{FF2B5EF4-FFF2-40B4-BE49-F238E27FC236}">
+                <a16:creationId xmlns:a16="http://schemas.microsoft.com/office/drawing/2014/main" id="{CC81E063-A167-20D8-7147-C5B44B157518}"/>
+              </a:ext>
+            </a:extLst>
+          </p:cNvPr>
+          <p:cNvSpPr txBox="1"/>
+          <p:nvPr/>
+        </p:nvSpPr>
+        <p:spPr>
+          <a:xfrm>
+            <a:off x="3959352" y="2956682"/>
+            <a:ext cx="389850" cy="215444"/>
+          </a:xfrm>
+          <a:prstGeom prst="rect">
+            <a:avLst/>
+          </a:prstGeom>
+          <a:noFill/>
+        </p:spPr>
+        <p:txBody>
+          <a:bodyPr wrap="none" rtlCol="0">
+            <a:spAutoFit/>
+          </a:bodyPr>
+          <a:lstStyle/>
+          <a:p>
+            <a:r>
+              <a:rPr lang="ko-KR" altLang="en-US" sz="800" dirty="0"/>
+              <a:t>방어</a:t>
+            </a:r>
+          </a:p>
+        </p:txBody>
+      </p:sp>
+      <p:sp>
+        <p:nvSpPr>
+          <p:cNvPr id="17" name="TextBox 16">
+            <a:extLst>
+              <a:ext uri="{FF2B5EF4-FFF2-40B4-BE49-F238E27FC236}">
+                <a16:creationId xmlns:a16="http://schemas.microsoft.com/office/drawing/2014/main" id="{264197F5-1621-A61D-C37B-B4C76F79D0BE}"/>
+              </a:ext>
+            </a:extLst>
+          </p:cNvPr>
+          <p:cNvSpPr txBox="1"/>
+          <p:nvPr/>
+        </p:nvSpPr>
+        <p:spPr>
+          <a:xfrm>
+            <a:off x="3939541" y="3470431"/>
+            <a:ext cx="389850" cy="215444"/>
+          </a:xfrm>
+          <a:prstGeom prst="rect">
+            <a:avLst/>
+          </a:prstGeom>
+          <a:noFill/>
+        </p:spPr>
+        <p:txBody>
+          <a:bodyPr wrap="none" rtlCol="0">
+            <a:spAutoFit/>
+          </a:bodyPr>
+          <a:lstStyle/>
+          <a:p>
+            <a:r>
+              <a:rPr lang="ko-KR" altLang="en-US" sz="800" dirty="0"/>
+              <a:t>도주</a:t>
+            </a:r>
+          </a:p>
+        </p:txBody>
+      </p:sp>
+      <p:sp>
+        <p:nvSpPr>
+          <p:cNvPr id="19" name="TextBox 18">
+            <a:extLst>
+              <a:ext uri="{FF2B5EF4-FFF2-40B4-BE49-F238E27FC236}">
+                <a16:creationId xmlns:a16="http://schemas.microsoft.com/office/drawing/2014/main" id="{875CB8B4-EE95-F405-C262-86DBB5EC2689}"/>
+              </a:ext>
+            </a:extLst>
+          </p:cNvPr>
+          <p:cNvSpPr txBox="1"/>
+          <p:nvPr/>
+        </p:nvSpPr>
+        <p:spPr>
+          <a:xfrm>
+            <a:off x="822479" y="1986587"/>
+            <a:ext cx="700833" cy="276999"/>
+          </a:xfrm>
+          <a:prstGeom prst="rect">
+            <a:avLst/>
+          </a:prstGeom>
+          <a:noFill/>
+        </p:spPr>
+        <p:txBody>
+          <a:bodyPr wrap="none" rtlCol="0">
+            <a:spAutoFit/>
+          </a:bodyPr>
+          <a:lstStyle/>
+          <a:p>
+            <a:r>
+              <a:rPr lang="ko-KR" altLang="en-US" sz="1200"/>
+              <a:t>적 진영</a:t>
+            </a:r>
+          </a:p>
+        </p:txBody>
+      </p:sp>
+      <p:sp>
+        <p:nvSpPr>
+          <p:cNvPr id="20" name="TextBox 19">
+            <a:extLst>
+              <a:ext uri="{FF2B5EF4-FFF2-40B4-BE49-F238E27FC236}">
+                <a16:creationId xmlns:a16="http://schemas.microsoft.com/office/drawing/2014/main" id="{3285A61D-7F4E-9681-A58C-FCD8B6A86BE8}"/>
+              </a:ext>
+            </a:extLst>
+          </p:cNvPr>
+          <p:cNvSpPr txBox="1"/>
+          <p:nvPr/>
+        </p:nvSpPr>
+        <p:spPr>
+          <a:xfrm>
+            <a:off x="3248647" y="1986587"/>
+            <a:ext cx="854721" cy="276999"/>
+          </a:xfrm>
+          <a:prstGeom prst="rect">
+            <a:avLst/>
+          </a:prstGeom>
+          <a:noFill/>
+        </p:spPr>
+        <p:txBody>
+          <a:bodyPr wrap="none" rtlCol="0">
+            <a:spAutoFit/>
+          </a:bodyPr>
+          <a:lstStyle/>
+          <a:p>
+            <a:r>
+              <a:rPr lang="ko-KR" altLang="en-US" sz="1200" dirty="0"/>
+              <a:t>아군 진영</a:t>
+            </a:r>
           </a:p>
         </p:txBody>
       </p:sp>
